--- a/ppt 16-9/1049.爱！我愿意.pptx
+++ b/ppt 16-9/1049.爱！我愿意.pptx
@@ -129,7 +129,7 @@
           <p:cNvPr id="2" name="标题 1">
             <a:extLst>
               <a:ext uri="{FF2B5EF4-FFF2-40B4-BE49-F238E27FC236}">
-                <a16:creationId xmlns:a16="http://schemas.microsoft.com/office/drawing/2014/main" id="{17215E44-AB12-F860-5001-D50751FDD88F}"/>
+                <a16:creationId xmlns:a16="http://schemas.microsoft.com/office/drawing/2014/main" id="{9FD87679-C46B-A052-F817-2354442FB688}"/>
               </a:ext>
             </a:extLst>
           </p:cNvPr>
@@ -166,7 +166,7 @@
           <p:cNvPr id="3" name="副标题 2">
             <a:extLst>
               <a:ext uri="{FF2B5EF4-FFF2-40B4-BE49-F238E27FC236}">
-                <a16:creationId xmlns:a16="http://schemas.microsoft.com/office/drawing/2014/main" id="{B6338C59-5C5C-4DD1-213F-78924683DDDB}"/>
+                <a16:creationId xmlns:a16="http://schemas.microsoft.com/office/drawing/2014/main" id="{1626EB26-09D2-BA01-3972-92894F5ABAC0}"/>
               </a:ext>
             </a:extLst>
           </p:cNvPr>
@@ -236,7 +236,7 @@
           <p:cNvPr id="4" name="日期占位符 3">
             <a:extLst>
               <a:ext uri="{FF2B5EF4-FFF2-40B4-BE49-F238E27FC236}">
-                <a16:creationId xmlns:a16="http://schemas.microsoft.com/office/drawing/2014/main" id="{A0F4FFE7-DFBE-7B6D-16BE-3BE4E2B9D056}"/>
+                <a16:creationId xmlns:a16="http://schemas.microsoft.com/office/drawing/2014/main" id="{42E6CE7E-7FB4-45A8-F666-7616D93B7E7F}"/>
               </a:ext>
             </a:extLst>
           </p:cNvPr>
@@ -252,7 +252,7 @@
           <a:bodyPr/>
           <a:lstStyle/>
           <a:p>
-            <a:fld id="{7B1D14A3-7398-47CF-B794-71D0035528F7}" type="datetimeFigureOut">
+            <a:fld id="{784EA276-62E7-459F-8799-221FB2F17F67}" type="datetimeFigureOut">
               <a:rPr lang="zh-CN" altLang="en-US" smtClean="0"/>
               <a:t>2024/3/10</a:t>
             </a:fld>
@@ -265,7 +265,7 @@
           <p:cNvPr id="5" name="页脚占位符 4">
             <a:extLst>
               <a:ext uri="{FF2B5EF4-FFF2-40B4-BE49-F238E27FC236}">
-                <a16:creationId xmlns:a16="http://schemas.microsoft.com/office/drawing/2014/main" id="{BEC39BF1-90FB-365E-3FC5-E964D2A0D18F}"/>
+                <a16:creationId xmlns:a16="http://schemas.microsoft.com/office/drawing/2014/main" id="{887C20EB-F824-2EC1-75A9-F0F8D851357C}"/>
               </a:ext>
             </a:extLst>
           </p:cNvPr>
@@ -290,7 +290,7 @@
           <p:cNvPr id="6" name="灯片编号占位符 5">
             <a:extLst>
               <a:ext uri="{FF2B5EF4-FFF2-40B4-BE49-F238E27FC236}">
-                <a16:creationId xmlns:a16="http://schemas.microsoft.com/office/drawing/2014/main" id="{F802B0DB-C8D3-CA82-FB21-14743B875C1B}"/>
+                <a16:creationId xmlns:a16="http://schemas.microsoft.com/office/drawing/2014/main" id="{D4A29CAE-CE14-9319-D9CB-071D52EC6482}"/>
               </a:ext>
             </a:extLst>
           </p:cNvPr>
@@ -306,7 +306,7 @@
           <a:bodyPr/>
           <a:lstStyle/>
           <a:p>
-            <a:fld id="{731464AF-0057-46E6-A168-2A2CFAB11595}" type="slidenum">
+            <a:fld id="{B93A464F-49AB-4F27-8CA6-053DC126053B}" type="slidenum">
               <a:rPr lang="zh-CN" altLang="en-US" smtClean="0"/>
               <a:t>‹#›</a:t>
             </a:fld>
@@ -317,7 +317,7 @@
     </p:spTree>
     <p:extLst>
       <p:ext uri="{BB962C8B-B14F-4D97-AF65-F5344CB8AC3E}">
-        <p14:creationId xmlns:p14="http://schemas.microsoft.com/office/powerpoint/2010/main" val="444275755"/>
+        <p14:creationId xmlns:p14="http://schemas.microsoft.com/office/powerpoint/2010/main" val="2265404909"/>
       </p:ext>
     </p:extLst>
   </p:cSld>
@@ -349,7 +349,7 @@
           <p:cNvPr id="2" name="标题 1">
             <a:extLst>
               <a:ext uri="{FF2B5EF4-FFF2-40B4-BE49-F238E27FC236}">
-                <a16:creationId xmlns:a16="http://schemas.microsoft.com/office/drawing/2014/main" id="{CF0D687E-2283-2A9F-CBAD-5B1D57D95695}"/>
+                <a16:creationId xmlns:a16="http://schemas.microsoft.com/office/drawing/2014/main" id="{D81098E9-3F47-6E51-35D6-F26472879AE3}"/>
               </a:ext>
             </a:extLst>
           </p:cNvPr>
@@ -377,7 +377,7 @@
           <p:cNvPr id="3" name="竖排文字占位符 2">
             <a:extLst>
               <a:ext uri="{FF2B5EF4-FFF2-40B4-BE49-F238E27FC236}">
-                <a16:creationId xmlns:a16="http://schemas.microsoft.com/office/drawing/2014/main" id="{78C8B95F-A504-4147-7BCC-1EA277268876}"/>
+                <a16:creationId xmlns:a16="http://schemas.microsoft.com/office/drawing/2014/main" id="{8B424A16-9A47-D2EF-FF2B-4F4271DAB132}"/>
               </a:ext>
             </a:extLst>
           </p:cNvPr>
@@ -434,7 +434,7 @@
           <p:cNvPr id="4" name="日期占位符 3">
             <a:extLst>
               <a:ext uri="{FF2B5EF4-FFF2-40B4-BE49-F238E27FC236}">
-                <a16:creationId xmlns:a16="http://schemas.microsoft.com/office/drawing/2014/main" id="{6A6D188E-9F06-B673-F196-AE380B32EE66}"/>
+                <a16:creationId xmlns:a16="http://schemas.microsoft.com/office/drawing/2014/main" id="{3B941FC6-F2CA-FA5C-BE73-47C98B21489E}"/>
               </a:ext>
             </a:extLst>
           </p:cNvPr>
@@ -450,7 +450,7 @@
           <a:bodyPr/>
           <a:lstStyle/>
           <a:p>
-            <a:fld id="{7B1D14A3-7398-47CF-B794-71D0035528F7}" type="datetimeFigureOut">
+            <a:fld id="{784EA276-62E7-459F-8799-221FB2F17F67}" type="datetimeFigureOut">
               <a:rPr lang="zh-CN" altLang="en-US" smtClean="0"/>
               <a:t>2024/3/10</a:t>
             </a:fld>
@@ -463,7 +463,7 @@
           <p:cNvPr id="5" name="页脚占位符 4">
             <a:extLst>
               <a:ext uri="{FF2B5EF4-FFF2-40B4-BE49-F238E27FC236}">
-                <a16:creationId xmlns:a16="http://schemas.microsoft.com/office/drawing/2014/main" id="{16F39785-E1C8-C9B1-DC66-268128389BE4}"/>
+                <a16:creationId xmlns:a16="http://schemas.microsoft.com/office/drawing/2014/main" id="{7DB00EA3-B195-9FD7-070F-CC267B689422}"/>
               </a:ext>
             </a:extLst>
           </p:cNvPr>
@@ -488,7 +488,7 @@
           <p:cNvPr id="6" name="灯片编号占位符 5">
             <a:extLst>
               <a:ext uri="{FF2B5EF4-FFF2-40B4-BE49-F238E27FC236}">
-                <a16:creationId xmlns:a16="http://schemas.microsoft.com/office/drawing/2014/main" id="{A019C987-8790-7EB4-2E0D-5D9CF957D4F3}"/>
+                <a16:creationId xmlns:a16="http://schemas.microsoft.com/office/drawing/2014/main" id="{019E39F8-357E-34BC-C947-42ECF3ED3EE0}"/>
               </a:ext>
             </a:extLst>
           </p:cNvPr>
@@ -504,7 +504,7 @@
           <a:bodyPr/>
           <a:lstStyle/>
           <a:p>
-            <a:fld id="{731464AF-0057-46E6-A168-2A2CFAB11595}" type="slidenum">
+            <a:fld id="{B93A464F-49AB-4F27-8CA6-053DC126053B}" type="slidenum">
               <a:rPr lang="zh-CN" altLang="en-US" smtClean="0"/>
               <a:t>‹#›</a:t>
             </a:fld>
@@ -515,7 +515,7 @@
     </p:spTree>
     <p:extLst>
       <p:ext uri="{BB962C8B-B14F-4D97-AF65-F5344CB8AC3E}">
-        <p14:creationId xmlns:p14="http://schemas.microsoft.com/office/powerpoint/2010/main" val="337042585"/>
+        <p14:creationId xmlns:p14="http://schemas.microsoft.com/office/powerpoint/2010/main" val="569754244"/>
       </p:ext>
     </p:extLst>
   </p:cSld>
@@ -547,7 +547,7 @@
           <p:cNvPr id="2" name="竖排标题 1">
             <a:extLst>
               <a:ext uri="{FF2B5EF4-FFF2-40B4-BE49-F238E27FC236}">
-                <a16:creationId xmlns:a16="http://schemas.microsoft.com/office/drawing/2014/main" id="{0488C44E-AFA8-6633-F8F2-93DD484E170D}"/>
+                <a16:creationId xmlns:a16="http://schemas.microsoft.com/office/drawing/2014/main" id="{8E58EAD6-7224-2F95-B0CA-39FF34329DD6}"/>
               </a:ext>
             </a:extLst>
           </p:cNvPr>
@@ -580,7 +580,7 @@
           <p:cNvPr id="3" name="竖排文字占位符 2">
             <a:extLst>
               <a:ext uri="{FF2B5EF4-FFF2-40B4-BE49-F238E27FC236}">
-                <a16:creationId xmlns:a16="http://schemas.microsoft.com/office/drawing/2014/main" id="{B2CA288A-6535-CD96-95E8-487C2E88E8E6}"/>
+                <a16:creationId xmlns:a16="http://schemas.microsoft.com/office/drawing/2014/main" id="{D34D2208-18C2-FE57-6298-17D01DDDB451}"/>
               </a:ext>
             </a:extLst>
           </p:cNvPr>
@@ -642,7 +642,7 @@
           <p:cNvPr id="4" name="日期占位符 3">
             <a:extLst>
               <a:ext uri="{FF2B5EF4-FFF2-40B4-BE49-F238E27FC236}">
-                <a16:creationId xmlns:a16="http://schemas.microsoft.com/office/drawing/2014/main" id="{3E70D3CF-FFF2-D7DD-8DB0-C7923A8A575F}"/>
+                <a16:creationId xmlns:a16="http://schemas.microsoft.com/office/drawing/2014/main" id="{24E06074-B152-FE64-5821-847F393015AF}"/>
               </a:ext>
             </a:extLst>
           </p:cNvPr>
@@ -658,7 +658,7 @@
           <a:bodyPr/>
           <a:lstStyle/>
           <a:p>
-            <a:fld id="{7B1D14A3-7398-47CF-B794-71D0035528F7}" type="datetimeFigureOut">
+            <a:fld id="{784EA276-62E7-459F-8799-221FB2F17F67}" type="datetimeFigureOut">
               <a:rPr lang="zh-CN" altLang="en-US" smtClean="0"/>
               <a:t>2024/3/10</a:t>
             </a:fld>
@@ -671,7 +671,7 @@
           <p:cNvPr id="5" name="页脚占位符 4">
             <a:extLst>
               <a:ext uri="{FF2B5EF4-FFF2-40B4-BE49-F238E27FC236}">
-                <a16:creationId xmlns:a16="http://schemas.microsoft.com/office/drawing/2014/main" id="{F740EBB6-D908-FA8A-1DA8-9FBE7074DB16}"/>
+                <a16:creationId xmlns:a16="http://schemas.microsoft.com/office/drawing/2014/main" id="{E7243851-94EA-CFDA-B862-96604043A327}"/>
               </a:ext>
             </a:extLst>
           </p:cNvPr>
@@ -696,7 +696,7 @@
           <p:cNvPr id="6" name="灯片编号占位符 5">
             <a:extLst>
               <a:ext uri="{FF2B5EF4-FFF2-40B4-BE49-F238E27FC236}">
-                <a16:creationId xmlns:a16="http://schemas.microsoft.com/office/drawing/2014/main" id="{04179E47-2531-4BC4-038C-1C8E7CC99FDB}"/>
+                <a16:creationId xmlns:a16="http://schemas.microsoft.com/office/drawing/2014/main" id="{373EE948-0DD9-0769-B352-1ED0B2698852}"/>
               </a:ext>
             </a:extLst>
           </p:cNvPr>
@@ -712,7 +712,7 @@
           <a:bodyPr/>
           <a:lstStyle/>
           <a:p>
-            <a:fld id="{731464AF-0057-46E6-A168-2A2CFAB11595}" type="slidenum">
+            <a:fld id="{B93A464F-49AB-4F27-8CA6-053DC126053B}" type="slidenum">
               <a:rPr lang="zh-CN" altLang="en-US" smtClean="0"/>
               <a:t>‹#›</a:t>
             </a:fld>
@@ -723,7 +723,7 @@
     </p:spTree>
     <p:extLst>
       <p:ext uri="{BB962C8B-B14F-4D97-AF65-F5344CB8AC3E}">
-        <p14:creationId xmlns:p14="http://schemas.microsoft.com/office/powerpoint/2010/main" val="936005439"/>
+        <p14:creationId xmlns:p14="http://schemas.microsoft.com/office/powerpoint/2010/main" val="4972197"/>
       </p:ext>
     </p:extLst>
   </p:cSld>
@@ -755,7 +755,7 @@
           <p:cNvPr id="2" name="标题 1">
             <a:extLst>
               <a:ext uri="{FF2B5EF4-FFF2-40B4-BE49-F238E27FC236}">
-                <a16:creationId xmlns:a16="http://schemas.microsoft.com/office/drawing/2014/main" id="{AF476EA7-8610-BBC6-577D-9C8ED297F1B6}"/>
+                <a16:creationId xmlns:a16="http://schemas.microsoft.com/office/drawing/2014/main" id="{B7E6F43D-4F0A-0D3A-D21E-29865AF28189}"/>
               </a:ext>
             </a:extLst>
           </p:cNvPr>
@@ -783,7 +783,7 @@
           <p:cNvPr id="3" name="内容占位符 2">
             <a:extLst>
               <a:ext uri="{FF2B5EF4-FFF2-40B4-BE49-F238E27FC236}">
-                <a16:creationId xmlns:a16="http://schemas.microsoft.com/office/drawing/2014/main" id="{623696BB-4E82-6AA1-FFB7-3692B11EFCC2}"/>
+                <a16:creationId xmlns:a16="http://schemas.microsoft.com/office/drawing/2014/main" id="{18A9D4A1-80EB-96BD-C50E-B042A804D191}"/>
               </a:ext>
             </a:extLst>
           </p:cNvPr>
@@ -840,7 +840,7 @@
           <p:cNvPr id="4" name="日期占位符 3">
             <a:extLst>
               <a:ext uri="{FF2B5EF4-FFF2-40B4-BE49-F238E27FC236}">
-                <a16:creationId xmlns:a16="http://schemas.microsoft.com/office/drawing/2014/main" id="{EAFB2C9A-B648-887B-008A-0220B4B64FAB}"/>
+                <a16:creationId xmlns:a16="http://schemas.microsoft.com/office/drawing/2014/main" id="{8F8355F3-D752-E934-A71E-1F7063186546}"/>
               </a:ext>
             </a:extLst>
           </p:cNvPr>
@@ -856,7 +856,7 @@
           <a:bodyPr/>
           <a:lstStyle/>
           <a:p>
-            <a:fld id="{7B1D14A3-7398-47CF-B794-71D0035528F7}" type="datetimeFigureOut">
+            <a:fld id="{784EA276-62E7-459F-8799-221FB2F17F67}" type="datetimeFigureOut">
               <a:rPr lang="zh-CN" altLang="en-US" smtClean="0"/>
               <a:t>2024/3/10</a:t>
             </a:fld>
@@ -869,7 +869,7 @@
           <p:cNvPr id="5" name="页脚占位符 4">
             <a:extLst>
               <a:ext uri="{FF2B5EF4-FFF2-40B4-BE49-F238E27FC236}">
-                <a16:creationId xmlns:a16="http://schemas.microsoft.com/office/drawing/2014/main" id="{BB64C786-113A-B32C-BC1A-DF874A2B16AE}"/>
+                <a16:creationId xmlns:a16="http://schemas.microsoft.com/office/drawing/2014/main" id="{1557BCF8-EE46-8838-9DCC-4F9D6BCEBBEF}"/>
               </a:ext>
             </a:extLst>
           </p:cNvPr>
@@ -894,7 +894,7 @@
           <p:cNvPr id="6" name="灯片编号占位符 5">
             <a:extLst>
               <a:ext uri="{FF2B5EF4-FFF2-40B4-BE49-F238E27FC236}">
-                <a16:creationId xmlns:a16="http://schemas.microsoft.com/office/drawing/2014/main" id="{63F857CB-6154-5231-2FD1-6AC52951CA8A}"/>
+                <a16:creationId xmlns:a16="http://schemas.microsoft.com/office/drawing/2014/main" id="{A3803E34-7AE5-FCBE-E2D6-F63C2EEEFDF6}"/>
               </a:ext>
             </a:extLst>
           </p:cNvPr>
@@ -910,7 +910,7 @@
           <a:bodyPr/>
           <a:lstStyle/>
           <a:p>
-            <a:fld id="{731464AF-0057-46E6-A168-2A2CFAB11595}" type="slidenum">
+            <a:fld id="{B93A464F-49AB-4F27-8CA6-053DC126053B}" type="slidenum">
               <a:rPr lang="zh-CN" altLang="en-US" smtClean="0"/>
               <a:t>‹#›</a:t>
             </a:fld>
@@ -921,7 +921,7 @@
     </p:spTree>
     <p:extLst>
       <p:ext uri="{BB962C8B-B14F-4D97-AF65-F5344CB8AC3E}">
-        <p14:creationId xmlns:p14="http://schemas.microsoft.com/office/powerpoint/2010/main" val="31880811"/>
+        <p14:creationId xmlns:p14="http://schemas.microsoft.com/office/powerpoint/2010/main" val="109440201"/>
       </p:ext>
     </p:extLst>
   </p:cSld>
@@ -953,7 +953,7 @@
           <p:cNvPr id="2" name="标题 1">
             <a:extLst>
               <a:ext uri="{FF2B5EF4-FFF2-40B4-BE49-F238E27FC236}">
-                <a16:creationId xmlns:a16="http://schemas.microsoft.com/office/drawing/2014/main" id="{E0D0B227-464B-6CA6-11B7-40B211DD2C5B}"/>
+                <a16:creationId xmlns:a16="http://schemas.microsoft.com/office/drawing/2014/main" id="{D5469692-C315-380A-BAD8-B8B0F84FD21F}"/>
               </a:ext>
             </a:extLst>
           </p:cNvPr>
@@ -990,7 +990,7 @@
           <p:cNvPr id="3" name="文本占位符 2">
             <a:extLst>
               <a:ext uri="{FF2B5EF4-FFF2-40B4-BE49-F238E27FC236}">
-                <a16:creationId xmlns:a16="http://schemas.microsoft.com/office/drawing/2014/main" id="{C58DA944-29D5-A898-ACEB-290C52CD404A}"/>
+                <a16:creationId xmlns:a16="http://schemas.microsoft.com/office/drawing/2014/main" id="{80D7D0B3-0B89-EB64-D6F0-BB740583F995}"/>
               </a:ext>
             </a:extLst>
           </p:cNvPr>
@@ -1115,7 +1115,7 @@
           <p:cNvPr id="4" name="日期占位符 3">
             <a:extLst>
               <a:ext uri="{FF2B5EF4-FFF2-40B4-BE49-F238E27FC236}">
-                <a16:creationId xmlns:a16="http://schemas.microsoft.com/office/drawing/2014/main" id="{790CB7FC-3E14-69BB-D003-AFC2A1196D9F}"/>
+                <a16:creationId xmlns:a16="http://schemas.microsoft.com/office/drawing/2014/main" id="{C3F09C1E-89C1-3198-4842-F2010E9FFFB1}"/>
               </a:ext>
             </a:extLst>
           </p:cNvPr>
@@ -1131,7 +1131,7 @@
           <a:bodyPr/>
           <a:lstStyle/>
           <a:p>
-            <a:fld id="{7B1D14A3-7398-47CF-B794-71D0035528F7}" type="datetimeFigureOut">
+            <a:fld id="{784EA276-62E7-459F-8799-221FB2F17F67}" type="datetimeFigureOut">
               <a:rPr lang="zh-CN" altLang="en-US" smtClean="0"/>
               <a:t>2024/3/10</a:t>
             </a:fld>
@@ -1144,7 +1144,7 @@
           <p:cNvPr id="5" name="页脚占位符 4">
             <a:extLst>
               <a:ext uri="{FF2B5EF4-FFF2-40B4-BE49-F238E27FC236}">
-                <a16:creationId xmlns:a16="http://schemas.microsoft.com/office/drawing/2014/main" id="{9A029B5C-3F2A-39AE-F980-C823D7149D00}"/>
+                <a16:creationId xmlns:a16="http://schemas.microsoft.com/office/drawing/2014/main" id="{F44E7802-2BD6-4173-2AE6-3E4872DB612D}"/>
               </a:ext>
             </a:extLst>
           </p:cNvPr>
@@ -1169,7 +1169,7 @@
           <p:cNvPr id="6" name="灯片编号占位符 5">
             <a:extLst>
               <a:ext uri="{FF2B5EF4-FFF2-40B4-BE49-F238E27FC236}">
-                <a16:creationId xmlns:a16="http://schemas.microsoft.com/office/drawing/2014/main" id="{8FB62D3A-380A-B238-A459-C5A13B485C18}"/>
+                <a16:creationId xmlns:a16="http://schemas.microsoft.com/office/drawing/2014/main" id="{778833ED-B0E4-B018-412C-5AF73B63950E}"/>
               </a:ext>
             </a:extLst>
           </p:cNvPr>
@@ -1185,7 +1185,7 @@
           <a:bodyPr/>
           <a:lstStyle/>
           <a:p>
-            <a:fld id="{731464AF-0057-46E6-A168-2A2CFAB11595}" type="slidenum">
+            <a:fld id="{B93A464F-49AB-4F27-8CA6-053DC126053B}" type="slidenum">
               <a:rPr lang="zh-CN" altLang="en-US" smtClean="0"/>
               <a:t>‹#›</a:t>
             </a:fld>
@@ -1196,7 +1196,7 @@
     </p:spTree>
     <p:extLst>
       <p:ext uri="{BB962C8B-B14F-4D97-AF65-F5344CB8AC3E}">
-        <p14:creationId xmlns:p14="http://schemas.microsoft.com/office/powerpoint/2010/main" val="2612267581"/>
+        <p14:creationId xmlns:p14="http://schemas.microsoft.com/office/powerpoint/2010/main" val="1941542488"/>
       </p:ext>
     </p:extLst>
   </p:cSld>
@@ -1228,7 +1228,7 @@
           <p:cNvPr id="2" name="标题 1">
             <a:extLst>
               <a:ext uri="{FF2B5EF4-FFF2-40B4-BE49-F238E27FC236}">
-                <a16:creationId xmlns:a16="http://schemas.microsoft.com/office/drawing/2014/main" id="{F89F990E-5D2D-0E12-773B-4E05989114E4}"/>
+                <a16:creationId xmlns:a16="http://schemas.microsoft.com/office/drawing/2014/main" id="{19E94CEA-9AA7-BC88-0D15-DC415B50A25B}"/>
               </a:ext>
             </a:extLst>
           </p:cNvPr>
@@ -1256,7 +1256,7 @@
           <p:cNvPr id="3" name="内容占位符 2">
             <a:extLst>
               <a:ext uri="{FF2B5EF4-FFF2-40B4-BE49-F238E27FC236}">
-                <a16:creationId xmlns:a16="http://schemas.microsoft.com/office/drawing/2014/main" id="{D909E0A9-82DB-4850-C756-584E67FB9EA2}"/>
+                <a16:creationId xmlns:a16="http://schemas.microsoft.com/office/drawing/2014/main" id="{7A1F9A0A-08B7-17DC-B1EE-809FA9D00D17}"/>
               </a:ext>
             </a:extLst>
           </p:cNvPr>
@@ -1318,7 +1318,7 @@
           <p:cNvPr id="4" name="内容占位符 3">
             <a:extLst>
               <a:ext uri="{FF2B5EF4-FFF2-40B4-BE49-F238E27FC236}">
-                <a16:creationId xmlns:a16="http://schemas.microsoft.com/office/drawing/2014/main" id="{0FEB7170-34D1-559D-E0B5-B3322196048C}"/>
+                <a16:creationId xmlns:a16="http://schemas.microsoft.com/office/drawing/2014/main" id="{CB6AA480-C49A-F37D-5AF3-42AC0974CE99}"/>
               </a:ext>
             </a:extLst>
           </p:cNvPr>
@@ -1380,7 +1380,7 @@
           <p:cNvPr id="5" name="日期占位符 4">
             <a:extLst>
               <a:ext uri="{FF2B5EF4-FFF2-40B4-BE49-F238E27FC236}">
-                <a16:creationId xmlns:a16="http://schemas.microsoft.com/office/drawing/2014/main" id="{EE5BDC4F-9C4F-6846-B797-C9931963ABA6}"/>
+                <a16:creationId xmlns:a16="http://schemas.microsoft.com/office/drawing/2014/main" id="{C712B49E-F7C2-3652-FFC8-74ACBAFB5435}"/>
               </a:ext>
             </a:extLst>
           </p:cNvPr>
@@ -1396,7 +1396,7 @@
           <a:bodyPr/>
           <a:lstStyle/>
           <a:p>
-            <a:fld id="{7B1D14A3-7398-47CF-B794-71D0035528F7}" type="datetimeFigureOut">
+            <a:fld id="{784EA276-62E7-459F-8799-221FB2F17F67}" type="datetimeFigureOut">
               <a:rPr lang="zh-CN" altLang="en-US" smtClean="0"/>
               <a:t>2024/3/10</a:t>
             </a:fld>
@@ -1409,7 +1409,7 @@
           <p:cNvPr id="6" name="页脚占位符 5">
             <a:extLst>
               <a:ext uri="{FF2B5EF4-FFF2-40B4-BE49-F238E27FC236}">
-                <a16:creationId xmlns:a16="http://schemas.microsoft.com/office/drawing/2014/main" id="{40E01769-815A-93D5-7037-E8CA77D2B2FE}"/>
+                <a16:creationId xmlns:a16="http://schemas.microsoft.com/office/drawing/2014/main" id="{82ACF602-1CE7-54B3-9088-AAA9923DD099}"/>
               </a:ext>
             </a:extLst>
           </p:cNvPr>
@@ -1434,7 +1434,7 @@
           <p:cNvPr id="7" name="灯片编号占位符 6">
             <a:extLst>
               <a:ext uri="{FF2B5EF4-FFF2-40B4-BE49-F238E27FC236}">
-                <a16:creationId xmlns:a16="http://schemas.microsoft.com/office/drawing/2014/main" id="{C5C0EB8B-D76F-DF46-0A3D-7E4E18776BA9}"/>
+                <a16:creationId xmlns:a16="http://schemas.microsoft.com/office/drawing/2014/main" id="{42C67F4D-F0C6-9E13-6C7B-A066FA48FA94}"/>
               </a:ext>
             </a:extLst>
           </p:cNvPr>
@@ -1450,7 +1450,7 @@
           <a:bodyPr/>
           <a:lstStyle/>
           <a:p>
-            <a:fld id="{731464AF-0057-46E6-A168-2A2CFAB11595}" type="slidenum">
+            <a:fld id="{B93A464F-49AB-4F27-8CA6-053DC126053B}" type="slidenum">
               <a:rPr lang="zh-CN" altLang="en-US" smtClean="0"/>
               <a:t>‹#›</a:t>
             </a:fld>
@@ -1461,7 +1461,7 @@
     </p:spTree>
     <p:extLst>
       <p:ext uri="{BB962C8B-B14F-4D97-AF65-F5344CB8AC3E}">
-        <p14:creationId xmlns:p14="http://schemas.microsoft.com/office/powerpoint/2010/main" val="3008184306"/>
+        <p14:creationId xmlns:p14="http://schemas.microsoft.com/office/powerpoint/2010/main" val="414997954"/>
       </p:ext>
     </p:extLst>
   </p:cSld>
@@ -1493,7 +1493,7 @@
           <p:cNvPr id="2" name="标题 1">
             <a:extLst>
               <a:ext uri="{FF2B5EF4-FFF2-40B4-BE49-F238E27FC236}">
-                <a16:creationId xmlns:a16="http://schemas.microsoft.com/office/drawing/2014/main" id="{9A777155-08A1-36F8-8F13-F83C1BBE6F48}"/>
+                <a16:creationId xmlns:a16="http://schemas.microsoft.com/office/drawing/2014/main" id="{ABB90778-89A3-1D5B-6574-F3D43F3FBD8A}"/>
               </a:ext>
             </a:extLst>
           </p:cNvPr>
@@ -1526,7 +1526,7 @@
           <p:cNvPr id="3" name="文本占位符 2">
             <a:extLst>
               <a:ext uri="{FF2B5EF4-FFF2-40B4-BE49-F238E27FC236}">
-                <a16:creationId xmlns:a16="http://schemas.microsoft.com/office/drawing/2014/main" id="{213A253B-70B4-7D33-2A69-5036F3A83F87}"/>
+                <a16:creationId xmlns:a16="http://schemas.microsoft.com/office/drawing/2014/main" id="{BE710E89-F71E-4A93-D4AD-90BC510400EB}"/>
               </a:ext>
             </a:extLst>
           </p:cNvPr>
@@ -1597,7 +1597,7 @@
           <p:cNvPr id="4" name="内容占位符 3">
             <a:extLst>
               <a:ext uri="{FF2B5EF4-FFF2-40B4-BE49-F238E27FC236}">
-                <a16:creationId xmlns:a16="http://schemas.microsoft.com/office/drawing/2014/main" id="{63FA4316-63F0-43BD-56D6-F4C14634BC61}"/>
+                <a16:creationId xmlns:a16="http://schemas.microsoft.com/office/drawing/2014/main" id="{19222D8B-68E9-5EDE-061C-50BC24398551}"/>
               </a:ext>
             </a:extLst>
           </p:cNvPr>
@@ -1659,7 +1659,7 @@
           <p:cNvPr id="5" name="文本占位符 4">
             <a:extLst>
               <a:ext uri="{FF2B5EF4-FFF2-40B4-BE49-F238E27FC236}">
-                <a16:creationId xmlns:a16="http://schemas.microsoft.com/office/drawing/2014/main" id="{99695DA6-826B-0263-7E94-9837DD277F5B}"/>
+                <a16:creationId xmlns:a16="http://schemas.microsoft.com/office/drawing/2014/main" id="{1F9C57F3-6A02-658C-AE69-8C9F47DE2586}"/>
               </a:ext>
             </a:extLst>
           </p:cNvPr>
@@ -1730,7 +1730,7 @@
           <p:cNvPr id="6" name="内容占位符 5">
             <a:extLst>
               <a:ext uri="{FF2B5EF4-FFF2-40B4-BE49-F238E27FC236}">
-                <a16:creationId xmlns:a16="http://schemas.microsoft.com/office/drawing/2014/main" id="{04201E2E-759F-BB50-0793-EB0665116A9B}"/>
+                <a16:creationId xmlns:a16="http://schemas.microsoft.com/office/drawing/2014/main" id="{953C85D8-C99D-3E93-ECC3-7D2F5EC13D44}"/>
               </a:ext>
             </a:extLst>
           </p:cNvPr>
@@ -1792,7 +1792,7 @@
           <p:cNvPr id="7" name="日期占位符 6">
             <a:extLst>
               <a:ext uri="{FF2B5EF4-FFF2-40B4-BE49-F238E27FC236}">
-                <a16:creationId xmlns:a16="http://schemas.microsoft.com/office/drawing/2014/main" id="{4D95A099-92F8-0193-1E63-C7A85BFD13F0}"/>
+                <a16:creationId xmlns:a16="http://schemas.microsoft.com/office/drawing/2014/main" id="{C373B765-1482-908B-8616-C417507935D2}"/>
               </a:ext>
             </a:extLst>
           </p:cNvPr>
@@ -1808,7 +1808,7 @@
           <a:bodyPr/>
           <a:lstStyle/>
           <a:p>
-            <a:fld id="{7B1D14A3-7398-47CF-B794-71D0035528F7}" type="datetimeFigureOut">
+            <a:fld id="{784EA276-62E7-459F-8799-221FB2F17F67}" type="datetimeFigureOut">
               <a:rPr lang="zh-CN" altLang="en-US" smtClean="0"/>
               <a:t>2024/3/10</a:t>
             </a:fld>
@@ -1821,7 +1821,7 @@
           <p:cNvPr id="8" name="页脚占位符 7">
             <a:extLst>
               <a:ext uri="{FF2B5EF4-FFF2-40B4-BE49-F238E27FC236}">
-                <a16:creationId xmlns:a16="http://schemas.microsoft.com/office/drawing/2014/main" id="{9252B99D-A64B-A296-B01C-E23AE0BFC5B4}"/>
+                <a16:creationId xmlns:a16="http://schemas.microsoft.com/office/drawing/2014/main" id="{882F240E-46AB-263F-E68F-AC5AF21E5B0F}"/>
               </a:ext>
             </a:extLst>
           </p:cNvPr>
@@ -1846,7 +1846,7 @@
           <p:cNvPr id="9" name="灯片编号占位符 8">
             <a:extLst>
               <a:ext uri="{FF2B5EF4-FFF2-40B4-BE49-F238E27FC236}">
-                <a16:creationId xmlns:a16="http://schemas.microsoft.com/office/drawing/2014/main" id="{190C546F-B8B5-E951-0EE0-15A2D84101AA}"/>
+                <a16:creationId xmlns:a16="http://schemas.microsoft.com/office/drawing/2014/main" id="{C5557CE5-8430-C095-3F32-90F2381F8F83}"/>
               </a:ext>
             </a:extLst>
           </p:cNvPr>
@@ -1862,7 +1862,7 @@
           <a:bodyPr/>
           <a:lstStyle/>
           <a:p>
-            <a:fld id="{731464AF-0057-46E6-A168-2A2CFAB11595}" type="slidenum">
+            <a:fld id="{B93A464F-49AB-4F27-8CA6-053DC126053B}" type="slidenum">
               <a:rPr lang="zh-CN" altLang="en-US" smtClean="0"/>
               <a:t>‹#›</a:t>
             </a:fld>
@@ -1873,7 +1873,7 @@
     </p:spTree>
     <p:extLst>
       <p:ext uri="{BB962C8B-B14F-4D97-AF65-F5344CB8AC3E}">
-        <p14:creationId xmlns:p14="http://schemas.microsoft.com/office/powerpoint/2010/main" val="4087131298"/>
+        <p14:creationId xmlns:p14="http://schemas.microsoft.com/office/powerpoint/2010/main" val="3658117119"/>
       </p:ext>
     </p:extLst>
   </p:cSld>
@@ -1905,7 +1905,7 @@
           <p:cNvPr id="2" name="标题 1">
             <a:extLst>
               <a:ext uri="{FF2B5EF4-FFF2-40B4-BE49-F238E27FC236}">
-                <a16:creationId xmlns:a16="http://schemas.microsoft.com/office/drawing/2014/main" id="{BA644517-88B8-677E-3999-D783F34EB09B}"/>
+                <a16:creationId xmlns:a16="http://schemas.microsoft.com/office/drawing/2014/main" id="{ECE02FAD-BA70-12BA-2089-D44336D0BEE9}"/>
               </a:ext>
             </a:extLst>
           </p:cNvPr>
@@ -1933,7 +1933,7 @@
           <p:cNvPr id="3" name="日期占位符 2">
             <a:extLst>
               <a:ext uri="{FF2B5EF4-FFF2-40B4-BE49-F238E27FC236}">
-                <a16:creationId xmlns:a16="http://schemas.microsoft.com/office/drawing/2014/main" id="{EE639885-3B89-0947-283A-EAF0006541EC}"/>
+                <a16:creationId xmlns:a16="http://schemas.microsoft.com/office/drawing/2014/main" id="{9EAC2E11-1CBF-D826-C8B9-B1A461982B77}"/>
               </a:ext>
             </a:extLst>
           </p:cNvPr>
@@ -1949,7 +1949,7 @@
           <a:bodyPr/>
           <a:lstStyle/>
           <a:p>
-            <a:fld id="{7B1D14A3-7398-47CF-B794-71D0035528F7}" type="datetimeFigureOut">
+            <a:fld id="{784EA276-62E7-459F-8799-221FB2F17F67}" type="datetimeFigureOut">
               <a:rPr lang="zh-CN" altLang="en-US" smtClean="0"/>
               <a:t>2024/3/10</a:t>
             </a:fld>
@@ -1962,7 +1962,7 @@
           <p:cNvPr id="4" name="页脚占位符 3">
             <a:extLst>
               <a:ext uri="{FF2B5EF4-FFF2-40B4-BE49-F238E27FC236}">
-                <a16:creationId xmlns:a16="http://schemas.microsoft.com/office/drawing/2014/main" id="{ED750099-5727-BA7B-529C-07687B505387}"/>
+                <a16:creationId xmlns:a16="http://schemas.microsoft.com/office/drawing/2014/main" id="{B779AFA4-55A8-2D3F-2DDF-0918B3085CAA}"/>
               </a:ext>
             </a:extLst>
           </p:cNvPr>
@@ -1987,7 +1987,7 @@
           <p:cNvPr id="5" name="灯片编号占位符 4">
             <a:extLst>
               <a:ext uri="{FF2B5EF4-FFF2-40B4-BE49-F238E27FC236}">
-                <a16:creationId xmlns:a16="http://schemas.microsoft.com/office/drawing/2014/main" id="{1730CB63-A8FE-BFDA-300B-9687102FA44F}"/>
+                <a16:creationId xmlns:a16="http://schemas.microsoft.com/office/drawing/2014/main" id="{62023B19-DD7A-578B-0E26-2D2527008E5C}"/>
               </a:ext>
             </a:extLst>
           </p:cNvPr>
@@ -2003,7 +2003,7 @@
           <a:bodyPr/>
           <a:lstStyle/>
           <a:p>
-            <a:fld id="{731464AF-0057-46E6-A168-2A2CFAB11595}" type="slidenum">
+            <a:fld id="{B93A464F-49AB-4F27-8CA6-053DC126053B}" type="slidenum">
               <a:rPr lang="zh-CN" altLang="en-US" smtClean="0"/>
               <a:t>‹#›</a:t>
             </a:fld>
@@ -2014,7 +2014,7 @@
     </p:spTree>
     <p:extLst>
       <p:ext uri="{BB962C8B-B14F-4D97-AF65-F5344CB8AC3E}">
-        <p14:creationId xmlns:p14="http://schemas.microsoft.com/office/powerpoint/2010/main" val="2454039696"/>
+        <p14:creationId xmlns:p14="http://schemas.microsoft.com/office/powerpoint/2010/main" val="3439419285"/>
       </p:ext>
     </p:extLst>
   </p:cSld>
@@ -2046,7 +2046,7 @@
           <p:cNvPr id="2" name="日期占位符 1">
             <a:extLst>
               <a:ext uri="{FF2B5EF4-FFF2-40B4-BE49-F238E27FC236}">
-                <a16:creationId xmlns:a16="http://schemas.microsoft.com/office/drawing/2014/main" id="{EC976AE9-7F05-0142-F3D9-57F81C59C526}"/>
+                <a16:creationId xmlns:a16="http://schemas.microsoft.com/office/drawing/2014/main" id="{77416180-E7C8-C16D-A7BC-5656F7D4BA15}"/>
               </a:ext>
             </a:extLst>
           </p:cNvPr>
@@ -2062,7 +2062,7 @@
           <a:bodyPr/>
           <a:lstStyle/>
           <a:p>
-            <a:fld id="{7B1D14A3-7398-47CF-B794-71D0035528F7}" type="datetimeFigureOut">
+            <a:fld id="{784EA276-62E7-459F-8799-221FB2F17F67}" type="datetimeFigureOut">
               <a:rPr lang="zh-CN" altLang="en-US" smtClean="0"/>
               <a:t>2024/3/10</a:t>
             </a:fld>
@@ -2075,7 +2075,7 @@
           <p:cNvPr id="3" name="页脚占位符 2">
             <a:extLst>
               <a:ext uri="{FF2B5EF4-FFF2-40B4-BE49-F238E27FC236}">
-                <a16:creationId xmlns:a16="http://schemas.microsoft.com/office/drawing/2014/main" id="{48526035-9590-84AE-0A81-FA2907E72EF3}"/>
+                <a16:creationId xmlns:a16="http://schemas.microsoft.com/office/drawing/2014/main" id="{80DEB097-8B0C-E0E0-DF35-4E354481D7BE}"/>
               </a:ext>
             </a:extLst>
           </p:cNvPr>
@@ -2100,7 +2100,7 @@
           <p:cNvPr id="4" name="灯片编号占位符 3">
             <a:extLst>
               <a:ext uri="{FF2B5EF4-FFF2-40B4-BE49-F238E27FC236}">
-                <a16:creationId xmlns:a16="http://schemas.microsoft.com/office/drawing/2014/main" id="{FCFEDAE1-D82D-68E4-11AF-4EFE8C56857B}"/>
+                <a16:creationId xmlns:a16="http://schemas.microsoft.com/office/drawing/2014/main" id="{6F8A2E61-25A4-456C-C436-DC39342D0CD5}"/>
               </a:ext>
             </a:extLst>
           </p:cNvPr>
@@ -2116,7 +2116,7 @@
           <a:bodyPr/>
           <a:lstStyle/>
           <a:p>
-            <a:fld id="{731464AF-0057-46E6-A168-2A2CFAB11595}" type="slidenum">
+            <a:fld id="{B93A464F-49AB-4F27-8CA6-053DC126053B}" type="slidenum">
               <a:rPr lang="zh-CN" altLang="en-US" smtClean="0"/>
               <a:t>‹#›</a:t>
             </a:fld>
@@ -2127,7 +2127,7 @@
     </p:spTree>
     <p:extLst>
       <p:ext uri="{BB962C8B-B14F-4D97-AF65-F5344CB8AC3E}">
-        <p14:creationId xmlns:p14="http://schemas.microsoft.com/office/powerpoint/2010/main" val="2814109790"/>
+        <p14:creationId xmlns:p14="http://schemas.microsoft.com/office/powerpoint/2010/main" val="3383479705"/>
       </p:ext>
     </p:extLst>
   </p:cSld>
@@ -2159,7 +2159,7 @@
           <p:cNvPr id="2" name="标题 1">
             <a:extLst>
               <a:ext uri="{FF2B5EF4-FFF2-40B4-BE49-F238E27FC236}">
-                <a16:creationId xmlns:a16="http://schemas.microsoft.com/office/drawing/2014/main" id="{C86F65CD-4DC3-C6FE-6A7C-DE8CEB920370}"/>
+                <a16:creationId xmlns:a16="http://schemas.microsoft.com/office/drawing/2014/main" id="{E5582521-C9CC-6A2A-95DB-2891F58FBE90}"/>
               </a:ext>
             </a:extLst>
           </p:cNvPr>
@@ -2196,7 +2196,7 @@
           <p:cNvPr id="3" name="内容占位符 2">
             <a:extLst>
               <a:ext uri="{FF2B5EF4-FFF2-40B4-BE49-F238E27FC236}">
-                <a16:creationId xmlns:a16="http://schemas.microsoft.com/office/drawing/2014/main" id="{0B731583-00EE-472C-BD29-5F46006C014B}"/>
+                <a16:creationId xmlns:a16="http://schemas.microsoft.com/office/drawing/2014/main" id="{4939C1B5-41D1-9E9B-47E5-9B10B448412A}"/>
               </a:ext>
             </a:extLst>
           </p:cNvPr>
@@ -2286,7 +2286,7 @@
           <p:cNvPr id="4" name="文本占位符 3">
             <a:extLst>
               <a:ext uri="{FF2B5EF4-FFF2-40B4-BE49-F238E27FC236}">
-                <a16:creationId xmlns:a16="http://schemas.microsoft.com/office/drawing/2014/main" id="{3C1BE889-A1D6-CA6A-913E-37DF6BA2B32F}"/>
+                <a16:creationId xmlns:a16="http://schemas.microsoft.com/office/drawing/2014/main" id="{E16BDBA5-7ED9-C630-93C8-9B9FB1533C0D}"/>
               </a:ext>
             </a:extLst>
           </p:cNvPr>
@@ -2357,7 +2357,7 @@
           <p:cNvPr id="5" name="日期占位符 4">
             <a:extLst>
               <a:ext uri="{FF2B5EF4-FFF2-40B4-BE49-F238E27FC236}">
-                <a16:creationId xmlns:a16="http://schemas.microsoft.com/office/drawing/2014/main" id="{4B9AA579-0324-31E5-8B96-F3F9B8D2BEBE}"/>
+                <a16:creationId xmlns:a16="http://schemas.microsoft.com/office/drawing/2014/main" id="{47B84817-C12C-D514-0BC6-7A2B0FF11AC4}"/>
               </a:ext>
             </a:extLst>
           </p:cNvPr>
@@ -2373,7 +2373,7 @@
           <a:bodyPr/>
           <a:lstStyle/>
           <a:p>
-            <a:fld id="{7B1D14A3-7398-47CF-B794-71D0035528F7}" type="datetimeFigureOut">
+            <a:fld id="{784EA276-62E7-459F-8799-221FB2F17F67}" type="datetimeFigureOut">
               <a:rPr lang="zh-CN" altLang="en-US" smtClean="0"/>
               <a:t>2024/3/10</a:t>
             </a:fld>
@@ -2386,7 +2386,7 @@
           <p:cNvPr id="6" name="页脚占位符 5">
             <a:extLst>
               <a:ext uri="{FF2B5EF4-FFF2-40B4-BE49-F238E27FC236}">
-                <a16:creationId xmlns:a16="http://schemas.microsoft.com/office/drawing/2014/main" id="{800664E0-AF22-6ADE-4A33-4DFFCE017F68}"/>
+                <a16:creationId xmlns:a16="http://schemas.microsoft.com/office/drawing/2014/main" id="{D9CBA57B-9DFE-B9DE-B040-2F8BE582B335}"/>
               </a:ext>
             </a:extLst>
           </p:cNvPr>
@@ -2411,7 +2411,7 @@
           <p:cNvPr id="7" name="灯片编号占位符 6">
             <a:extLst>
               <a:ext uri="{FF2B5EF4-FFF2-40B4-BE49-F238E27FC236}">
-                <a16:creationId xmlns:a16="http://schemas.microsoft.com/office/drawing/2014/main" id="{1AFD5A3D-B9A5-C049-E791-6E3C87900D53}"/>
+                <a16:creationId xmlns:a16="http://schemas.microsoft.com/office/drawing/2014/main" id="{B0542CBE-4555-E151-0341-8E306C10EFB3}"/>
               </a:ext>
             </a:extLst>
           </p:cNvPr>
@@ -2427,7 +2427,7 @@
           <a:bodyPr/>
           <a:lstStyle/>
           <a:p>
-            <a:fld id="{731464AF-0057-46E6-A168-2A2CFAB11595}" type="slidenum">
+            <a:fld id="{B93A464F-49AB-4F27-8CA6-053DC126053B}" type="slidenum">
               <a:rPr lang="zh-CN" altLang="en-US" smtClean="0"/>
               <a:t>‹#›</a:t>
             </a:fld>
@@ -2438,7 +2438,7 @@
     </p:spTree>
     <p:extLst>
       <p:ext uri="{BB962C8B-B14F-4D97-AF65-F5344CB8AC3E}">
-        <p14:creationId xmlns:p14="http://schemas.microsoft.com/office/powerpoint/2010/main" val="373852105"/>
+        <p14:creationId xmlns:p14="http://schemas.microsoft.com/office/powerpoint/2010/main" val="947798944"/>
       </p:ext>
     </p:extLst>
   </p:cSld>
@@ -2470,7 +2470,7 @@
           <p:cNvPr id="2" name="标题 1">
             <a:extLst>
               <a:ext uri="{FF2B5EF4-FFF2-40B4-BE49-F238E27FC236}">
-                <a16:creationId xmlns:a16="http://schemas.microsoft.com/office/drawing/2014/main" id="{CA6E4749-33DD-7372-44C4-48C339D7AC96}"/>
+                <a16:creationId xmlns:a16="http://schemas.microsoft.com/office/drawing/2014/main" id="{C469D02A-30D8-EAD9-FB8D-1842C18FAC81}"/>
               </a:ext>
             </a:extLst>
           </p:cNvPr>
@@ -2507,7 +2507,7 @@
           <p:cNvPr id="3" name="图片占位符 2">
             <a:extLst>
               <a:ext uri="{FF2B5EF4-FFF2-40B4-BE49-F238E27FC236}">
-                <a16:creationId xmlns:a16="http://schemas.microsoft.com/office/drawing/2014/main" id="{6F28C676-299E-7266-A059-69F09261A348}"/>
+                <a16:creationId xmlns:a16="http://schemas.microsoft.com/office/drawing/2014/main" id="{409B4202-950E-3B3F-912C-F8EE00232AB6}"/>
               </a:ext>
             </a:extLst>
           </p:cNvPr>
@@ -2574,7 +2574,7 @@
           <p:cNvPr id="4" name="文本占位符 3">
             <a:extLst>
               <a:ext uri="{FF2B5EF4-FFF2-40B4-BE49-F238E27FC236}">
-                <a16:creationId xmlns:a16="http://schemas.microsoft.com/office/drawing/2014/main" id="{7E34806C-10E5-CCA8-4C87-5A602ED9F957}"/>
+                <a16:creationId xmlns:a16="http://schemas.microsoft.com/office/drawing/2014/main" id="{D940BB0D-7584-3A49-A185-BF841438D876}"/>
               </a:ext>
             </a:extLst>
           </p:cNvPr>
@@ -2645,7 +2645,7 @@
           <p:cNvPr id="5" name="日期占位符 4">
             <a:extLst>
               <a:ext uri="{FF2B5EF4-FFF2-40B4-BE49-F238E27FC236}">
-                <a16:creationId xmlns:a16="http://schemas.microsoft.com/office/drawing/2014/main" id="{AD87DA0B-368F-411C-0FAC-1DF573F02047}"/>
+                <a16:creationId xmlns:a16="http://schemas.microsoft.com/office/drawing/2014/main" id="{4CD8CE42-1838-8E91-B0D2-00A6424F46AF}"/>
               </a:ext>
             </a:extLst>
           </p:cNvPr>
@@ -2661,7 +2661,7 @@
           <a:bodyPr/>
           <a:lstStyle/>
           <a:p>
-            <a:fld id="{7B1D14A3-7398-47CF-B794-71D0035528F7}" type="datetimeFigureOut">
+            <a:fld id="{784EA276-62E7-459F-8799-221FB2F17F67}" type="datetimeFigureOut">
               <a:rPr lang="zh-CN" altLang="en-US" smtClean="0"/>
               <a:t>2024/3/10</a:t>
             </a:fld>
@@ -2674,7 +2674,7 @@
           <p:cNvPr id="6" name="页脚占位符 5">
             <a:extLst>
               <a:ext uri="{FF2B5EF4-FFF2-40B4-BE49-F238E27FC236}">
-                <a16:creationId xmlns:a16="http://schemas.microsoft.com/office/drawing/2014/main" id="{4D3749AB-05C1-1E2E-ECF6-7EF31C39FC47}"/>
+                <a16:creationId xmlns:a16="http://schemas.microsoft.com/office/drawing/2014/main" id="{9B639FFA-65CA-7BFC-5076-2BBE87D0EE08}"/>
               </a:ext>
             </a:extLst>
           </p:cNvPr>
@@ -2699,7 +2699,7 @@
           <p:cNvPr id="7" name="灯片编号占位符 6">
             <a:extLst>
               <a:ext uri="{FF2B5EF4-FFF2-40B4-BE49-F238E27FC236}">
-                <a16:creationId xmlns:a16="http://schemas.microsoft.com/office/drawing/2014/main" id="{87972684-BE63-4E55-D42C-31042E661486}"/>
+                <a16:creationId xmlns:a16="http://schemas.microsoft.com/office/drawing/2014/main" id="{A991083F-2A0C-78DE-4FD4-3289E427E5BF}"/>
               </a:ext>
             </a:extLst>
           </p:cNvPr>
@@ -2715,7 +2715,7 @@
           <a:bodyPr/>
           <a:lstStyle/>
           <a:p>
-            <a:fld id="{731464AF-0057-46E6-A168-2A2CFAB11595}" type="slidenum">
+            <a:fld id="{B93A464F-49AB-4F27-8CA6-053DC126053B}" type="slidenum">
               <a:rPr lang="zh-CN" altLang="en-US" smtClean="0"/>
               <a:t>‹#›</a:t>
             </a:fld>
@@ -2726,7 +2726,7 @@
     </p:spTree>
     <p:extLst>
       <p:ext uri="{BB962C8B-B14F-4D97-AF65-F5344CB8AC3E}">
-        <p14:creationId xmlns:p14="http://schemas.microsoft.com/office/powerpoint/2010/main" val="4208139292"/>
+        <p14:creationId xmlns:p14="http://schemas.microsoft.com/office/powerpoint/2010/main" val="3958623991"/>
       </p:ext>
     </p:extLst>
   </p:cSld>
@@ -2763,7 +2763,7 @@
           <p:cNvPr id="2" name="标题占位符 1">
             <a:extLst>
               <a:ext uri="{FF2B5EF4-FFF2-40B4-BE49-F238E27FC236}">
-                <a16:creationId xmlns:a16="http://schemas.microsoft.com/office/drawing/2014/main" id="{463DAEE3-0C1A-1B64-EA40-6DA2BC17B392}"/>
+                <a16:creationId xmlns:a16="http://schemas.microsoft.com/office/drawing/2014/main" id="{EFBCD1C6-51D1-B6A3-BF3A-67862E8BF39F}"/>
               </a:ext>
             </a:extLst>
           </p:cNvPr>
@@ -2801,7 +2801,7 @@
           <p:cNvPr id="3" name="文本占位符 2">
             <a:extLst>
               <a:ext uri="{FF2B5EF4-FFF2-40B4-BE49-F238E27FC236}">
-                <a16:creationId xmlns:a16="http://schemas.microsoft.com/office/drawing/2014/main" id="{48B44E16-0AC4-7E8C-BE26-92800ED4C531}"/>
+                <a16:creationId xmlns:a16="http://schemas.microsoft.com/office/drawing/2014/main" id="{427495DB-F245-2FEF-7F7C-D0B8A2372E92}"/>
               </a:ext>
             </a:extLst>
           </p:cNvPr>
@@ -2868,7 +2868,7 @@
           <p:cNvPr id="4" name="日期占位符 3">
             <a:extLst>
               <a:ext uri="{FF2B5EF4-FFF2-40B4-BE49-F238E27FC236}">
-                <a16:creationId xmlns:a16="http://schemas.microsoft.com/office/drawing/2014/main" id="{5B1F6010-9C5A-548D-D1B6-518F185C0334}"/>
+                <a16:creationId xmlns:a16="http://schemas.microsoft.com/office/drawing/2014/main" id="{B5884AD4-3501-388B-AF76-CCEEED97D29A}"/>
               </a:ext>
             </a:extLst>
           </p:cNvPr>
@@ -2902,7 +2902,7 @@
             </a:lvl1pPr>
           </a:lstStyle>
           <a:p>
-            <a:fld id="{7B1D14A3-7398-47CF-B794-71D0035528F7}" type="datetimeFigureOut">
+            <a:fld id="{784EA276-62E7-459F-8799-221FB2F17F67}" type="datetimeFigureOut">
               <a:rPr lang="zh-CN" altLang="en-US" smtClean="0"/>
               <a:t>2024/3/10</a:t>
             </a:fld>
@@ -2915,7 +2915,7 @@
           <p:cNvPr id="5" name="页脚占位符 4">
             <a:extLst>
               <a:ext uri="{FF2B5EF4-FFF2-40B4-BE49-F238E27FC236}">
-                <a16:creationId xmlns:a16="http://schemas.microsoft.com/office/drawing/2014/main" id="{B76FA499-77A4-21D7-2020-E1015002473A}"/>
+                <a16:creationId xmlns:a16="http://schemas.microsoft.com/office/drawing/2014/main" id="{93B0182C-F5CB-EBBA-DE85-E140233EA952}"/>
               </a:ext>
             </a:extLst>
           </p:cNvPr>
@@ -2958,7 +2958,7 @@
           <p:cNvPr id="6" name="灯片编号占位符 5">
             <a:extLst>
               <a:ext uri="{FF2B5EF4-FFF2-40B4-BE49-F238E27FC236}">
-                <a16:creationId xmlns:a16="http://schemas.microsoft.com/office/drawing/2014/main" id="{F65933BD-7A08-2528-F85F-22FCF0667356}"/>
+                <a16:creationId xmlns:a16="http://schemas.microsoft.com/office/drawing/2014/main" id="{D22DEC54-97DC-03AF-BD65-0EE517B1C26C}"/>
               </a:ext>
             </a:extLst>
           </p:cNvPr>
@@ -2992,7 +2992,7 @@
             </a:lvl1pPr>
           </a:lstStyle>
           <a:p>
-            <a:fld id="{731464AF-0057-46E6-A168-2A2CFAB11595}" type="slidenum">
+            <a:fld id="{B93A464F-49AB-4F27-8CA6-053DC126053B}" type="slidenum">
               <a:rPr lang="zh-CN" altLang="en-US" smtClean="0"/>
               <a:t>‹#›</a:t>
             </a:fld>
@@ -3003,7 +3003,7 @@
     </p:spTree>
     <p:extLst>
       <p:ext uri="{BB962C8B-B14F-4D97-AF65-F5344CB8AC3E}">
-        <p14:creationId xmlns:p14="http://schemas.microsoft.com/office/powerpoint/2010/main" val="569986334"/>
+        <p14:creationId xmlns:p14="http://schemas.microsoft.com/office/powerpoint/2010/main" val="3763569615"/>
       </p:ext>
     </p:extLst>
   </p:cSld>
